--- a/draft GDP presentation (3).pptx
+++ b/draft GDP presentation (3).pptx
@@ -9,22 +9,22 @@
   </p:notesMasterIdLst>
   <p:sldIdLst>
     <p:sldId id="256" r:id="rId2"/>
-    <p:sldId id="270" r:id="rId3"/>
+    <p:sldId id="273" r:id="rId3"/>
     <p:sldId id="272" r:id="rId4"/>
-    <p:sldId id="273" r:id="rId5"/>
-    <p:sldId id="263" r:id="rId6"/>
-    <p:sldId id="271" r:id="rId7"/>
-    <p:sldId id="257" r:id="rId8"/>
-    <p:sldId id="269" r:id="rId9"/>
-    <p:sldId id="264" r:id="rId10"/>
-    <p:sldId id="265" r:id="rId11"/>
-    <p:sldId id="266" r:id="rId12"/>
-    <p:sldId id="268" r:id="rId13"/>
-    <p:sldId id="267" r:id="rId14"/>
-    <p:sldId id="274" r:id="rId15"/>
-    <p:sldId id="275" r:id="rId16"/>
-    <p:sldId id="276" r:id="rId17"/>
-    <p:sldId id="277" r:id="rId18"/>
+    <p:sldId id="263" r:id="rId5"/>
+    <p:sldId id="271" r:id="rId6"/>
+    <p:sldId id="257" r:id="rId7"/>
+    <p:sldId id="269" r:id="rId8"/>
+    <p:sldId id="264" r:id="rId9"/>
+    <p:sldId id="265" r:id="rId10"/>
+    <p:sldId id="266" r:id="rId11"/>
+    <p:sldId id="268" r:id="rId12"/>
+    <p:sldId id="267" r:id="rId13"/>
+    <p:sldId id="274" r:id="rId14"/>
+    <p:sldId id="275" r:id="rId15"/>
+    <p:sldId id="276" r:id="rId16"/>
+    <p:sldId id="277" r:id="rId17"/>
+    <p:sldId id="279" r:id="rId18"/>
     <p:sldId id="278" r:id="rId19"/>
   </p:sldIdLst>
   <p:sldSz cx="12192000" cy="6858000"/>
@@ -130,6 +130,10 @@
     </p:ext>
   </p:extLst>
 </p:presentation>
+</file>
+
+<file path=ppt/revisionInfo.xml><?xml version="1.0" encoding="utf-8"?>
+<p1510:revInfo xmlns:a="http://schemas.openxmlformats.org/drawingml/2006/main" xmlns:r="http://schemas.openxmlformats.org/officeDocument/2006/relationships" xmlns:p1510="http://schemas.microsoft.com/office/powerpoint/2015/10/main"/>
 </file>
 
 <file path=ppt/charts/chart1.xml><?xml version="1.0" encoding="utf-8"?>
@@ -9487,8 +9491,8 @@
     <dgm:cxn modelId="{0BB9B70F-B635-4EE0-9771-2F9B811E2E34}" type="presOf" srcId="{B43E3B8C-596F-4C8A-945F-6551B18FF7BD}" destId="{94F3D8DD-BEF7-4528-AA5A-F1595E8FC7BF}" srcOrd="0" destOrd="0" presId="urn:microsoft.com/office/officeart/2005/8/layout/radial6"/>
     <dgm:cxn modelId="{54FA6A10-298E-4C43-87AB-4166594BB284}" type="presOf" srcId="{E95F8733-5FD0-42E6-B40E-42AF09D6625C}" destId="{3EC3D4AA-928C-4DE7-931A-492EA189CBFB}" srcOrd="0" destOrd="0" presId="urn:microsoft.com/office/officeart/2005/8/layout/radial6"/>
     <dgm:cxn modelId="{98806A25-B39B-40E3-B210-C9DB51970ED1}" type="presOf" srcId="{F6B092A9-F082-4E0F-AA5D-F161D12B985E}" destId="{ED280BE2-035D-48A9-8D8A-B4B33669EE66}" srcOrd="0" destOrd="0" presId="urn:microsoft.com/office/officeart/2005/8/layout/radial6"/>
+    <dgm:cxn modelId="{80BDFB60-F9B6-44E0-9649-9B3606D062E2}" type="presOf" srcId="{AE53F338-AEFD-4AE2-A8FD-043C6F3C3790}" destId="{7127EAB3-05BF-4DFE-B893-7905DD0066CC}" srcOrd="0" destOrd="0" presId="urn:microsoft.com/office/officeart/2005/8/layout/radial6"/>
     <dgm:cxn modelId="{D4A7594B-571F-493A-9D7E-013EB72F6FBF}" type="presOf" srcId="{638ACCE3-7EF0-4C84-AFE9-981DF3BC623B}" destId="{AB31C73F-22E0-4A0F-BB45-BD8066C9248A}" srcOrd="0" destOrd="0" presId="urn:microsoft.com/office/officeart/2005/8/layout/radial6"/>
-    <dgm:cxn modelId="{80BDFB60-F9B6-44E0-9649-9B3606D062E2}" type="presOf" srcId="{AE53F338-AEFD-4AE2-A8FD-043C6F3C3790}" destId="{7127EAB3-05BF-4DFE-B893-7905DD0066CC}" srcOrd="0" destOrd="0" presId="urn:microsoft.com/office/officeart/2005/8/layout/radial6"/>
     <dgm:cxn modelId="{91383C70-C82E-4E30-AB44-962C74C608A2}" type="presOf" srcId="{EC66533E-7596-408C-AEF8-D81272415A9D}" destId="{0D895373-37E0-4807-A170-40806B80FCC4}" srcOrd="0" destOrd="0" presId="urn:microsoft.com/office/officeart/2005/8/layout/radial6"/>
     <dgm:cxn modelId="{8650C770-BE3D-4186-AD26-095E0070082C}" srcId="{B43E3B8C-596F-4C8A-945F-6551B18FF7BD}" destId="{784A1797-E426-4ADE-B0D7-6B01CA3B05DF}" srcOrd="3" destOrd="0" parTransId="{1655F494-E88A-4641-AA43-03B47F8909B8}" sibTransId="{EC66533E-7596-408C-AEF8-D81272415A9D}"/>
     <dgm:cxn modelId="{768CF98C-8792-465D-895E-7727723C1749}" srcId="{B43E3B8C-596F-4C8A-945F-6551B18FF7BD}" destId="{E95F8733-5FD0-42E6-B40E-42AF09D6625C}" srcOrd="0" destOrd="0" parTransId="{94E41C59-4404-44E1-98B9-669799ECDDFF}" sibTransId="{638ACCE3-7EF0-4C84-AFE9-981DF3BC623B}"/>
@@ -10011,8 +10015,8 @@
     <dgm:cxn modelId="{09A07621-30D2-456F-8BF6-9C2A8E1348EB}" srcId="{B43E3B8C-596F-4C8A-945F-6551B18FF7BD}" destId="{B31A40A1-20E7-448B-9F40-3AA79026496F}" srcOrd="6" destOrd="0" parTransId="{83C9ADBF-2AE6-49F9-91E0-9045803314ED}" sibTransId="{655FCA7B-2399-4F07-9247-55091548B977}"/>
     <dgm:cxn modelId="{98806A25-B39B-40E3-B210-C9DB51970ED1}" type="presOf" srcId="{F6B092A9-F082-4E0F-AA5D-F161D12B985E}" destId="{ED280BE2-035D-48A9-8D8A-B4B33669EE66}" srcOrd="0" destOrd="0" presId="urn:microsoft.com/office/officeart/2005/8/layout/radial6"/>
     <dgm:cxn modelId="{D114D628-8730-4343-A478-924EB4288397}" type="presOf" srcId="{FC14F6D2-95CE-4598-920E-D4845B22C2D0}" destId="{BBF886CA-4A06-4359-AA43-3C9FF1E27909}" srcOrd="0" destOrd="0" presId="urn:microsoft.com/office/officeart/2005/8/layout/radial6"/>
+    <dgm:cxn modelId="{80BDFB60-F9B6-44E0-9649-9B3606D062E2}" type="presOf" srcId="{AE53F338-AEFD-4AE2-A8FD-043C6F3C3790}" destId="{7127EAB3-05BF-4DFE-B893-7905DD0066CC}" srcOrd="0" destOrd="0" presId="urn:microsoft.com/office/officeart/2005/8/layout/radial6"/>
     <dgm:cxn modelId="{D4A7594B-571F-493A-9D7E-013EB72F6FBF}" type="presOf" srcId="{638ACCE3-7EF0-4C84-AFE9-981DF3BC623B}" destId="{AB31C73F-22E0-4A0F-BB45-BD8066C9248A}" srcOrd="0" destOrd="0" presId="urn:microsoft.com/office/officeart/2005/8/layout/radial6"/>
-    <dgm:cxn modelId="{80BDFB60-F9B6-44E0-9649-9B3606D062E2}" type="presOf" srcId="{AE53F338-AEFD-4AE2-A8FD-043C6F3C3790}" destId="{7127EAB3-05BF-4DFE-B893-7905DD0066CC}" srcOrd="0" destOrd="0" presId="urn:microsoft.com/office/officeart/2005/8/layout/radial6"/>
     <dgm:cxn modelId="{91383C70-C82E-4E30-AB44-962C74C608A2}" type="presOf" srcId="{EC66533E-7596-408C-AEF8-D81272415A9D}" destId="{0D895373-37E0-4807-A170-40806B80FCC4}" srcOrd="0" destOrd="0" presId="urn:microsoft.com/office/officeart/2005/8/layout/radial6"/>
     <dgm:cxn modelId="{8650C770-BE3D-4186-AD26-095E0070082C}" srcId="{B43E3B8C-596F-4C8A-945F-6551B18FF7BD}" destId="{784A1797-E426-4ADE-B0D7-6B01CA3B05DF}" srcOrd="4" destOrd="0" parTransId="{1655F494-E88A-4641-AA43-03B47F8909B8}" sibTransId="{EC66533E-7596-408C-AEF8-D81272415A9D}"/>
     <dgm:cxn modelId="{768CF98C-8792-465D-895E-7727723C1749}" srcId="{B43E3B8C-596F-4C8A-945F-6551B18FF7BD}" destId="{E95F8733-5FD0-42E6-B40E-42AF09D6625C}" srcOrd="1" destOrd="0" parTransId="{94E41C59-4404-44E1-98B9-669799ECDDFF}" sibTransId="{638ACCE3-7EF0-4C84-AFE9-981DF3BC623B}"/>
@@ -10771,9 +10775,9 @@
     <dgm:cxn modelId="{1E2D992A-F45E-40A0-82E0-385CAB57BFFD}" srcId="{B43E3B8C-596F-4C8A-945F-6551B18FF7BD}" destId="{3BB6D184-1A10-4124-8205-CBA0B3C3F888}" srcOrd="4" destOrd="0" parTransId="{09DC8890-8D71-4E9A-9841-6EA69CA33ECA}" sibTransId="{B52A7A09-9FDF-4E53-B763-FB755FFC6D8C}"/>
     <dgm:cxn modelId="{D64EDA2C-50F9-47FF-9B35-BA7AE3A0ACF1}" type="presOf" srcId="{71879951-6296-4503-9059-00E9E12A0234}" destId="{DD42D754-A5CF-442D-A9A7-4521CFA22443}" srcOrd="0" destOrd="0" presId="urn:microsoft.com/office/officeart/2005/8/layout/radial6"/>
     <dgm:cxn modelId="{B79A1334-904C-4C6B-81AE-C8C1606C03E2}" srcId="{B43E3B8C-596F-4C8A-945F-6551B18FF7BD}" destId="{59B4ECD9-B875-4184-8517-E6A54379C1E1}" srcOrd="3" destOrd="0" parTransId="{972A3723-68AA-4717-ACEB-4AD697BF7121}" sibTransId="{448D2CEA-CF33-4AF9-984C-FAB4ECB0104C}"/>
-    <dgm:cxn modelId="{D4A7594B-571F-493A-9D7E-013EB72F6FBF}" type="presOf" srcId="{638ACCE3-7EF0-4C84-AFE9-981DF3BC623B}" destId="{AB31C73F-22E0-4A0F-BB45-BD8066C9248A}" srcOrd="0" destOrd="0" presId="urn:microsoft.com/office/officeart/2005/8/layout/radial6"/>
     <dgm:cxn modelId="{80BDFB60-F9B6-44E0-9649-9B3606D062E2}" type="presOf" srcId="{AE53F338-AEFD-4AE2-A8FD-043C6F3C3790}" destId="{7127EAB3-05BF-4DFE-B893-7905DD0066CC}" srcOrd="0" destOrd="0" presId="urn:microsoft.com/office/officeart/2005/8/layout/radial6"/>
     <dgm:cxn modelId="{18194764-336B-4BA3-8AAE-EFC772B0551D}" type="presOf" srcId="{B52A7A09-9FDF-4E53-B763-FB755FFC6D8C}" destId="{EF4A2896-1610-4A31-B60F-EC848C05CA8A}" srcOrd="0" destOrd="0" presId="urn:microsoft.com/office/officeart/2005/8/layout/radial6"/>
+    <dgm:cxn modelId="{D4A7594B-571F-493A-9D7E-013EB72F6FBF}" type="presOf" srcId="{638ACCE3-7EF0-4C84-AFE9-981DF3BC623B}" destId="{AB31C73F-22E0-4A0F-BB45-BD8066C9248A}" srcOrd="0" destOrd="0" presId="urn:microsoft.com/office/officeart/2005/8/layout/radial6"/>
     <dgm:cxn modelId="{91383C70-C82E-4E30-AB44-962C74C608A2}" type="presOf" srcId="{EC66533E-7596-408C-AEF8-D81272415A9D}" destId="{0D895373-37E0-4807-A170-40806B80FCC4}" srcOrd="0" destOrd="0" presId="urn:microsoft.com/office/officeart/2005/8/layout/radial6"/>
     <dgm:cxn modelId="{8650C770-BE3D-4186-AD26-095E0070082C}" srcId="{B43E3B8C-596F-4C8A-945F-6551B18FF7BD}" destId="{784A1797-E426-4ADE-B0D7-6B01CA3B05DF}" srcOrd="8" destOrd="0" parTransId="{1655F494-E88A-4641-AA43-03B47F8909B8}" sibTransId="{EC66533E-7596-408C-AEF8-D81272415A9D}"/>
     <dgm:cxn modelId="{768CF98C-8792-465D-895E-7727723C1749}" srcId="{B43E3B8C-596F-4C8A-945F-6551B18FF7BD}" destId="{E95F8733-5FD0-42E6-B40E-42AF09D6625C}" srcOrd="1" destOrd="0" parTransId="{94E41C59-4404-44E1-98B9-669799ECDDFF}" sibTransId="{638ACCE3-7EF0-4C84-AFE9-981DF3BC623B}"/>
@@ -20240,7 +20244,7 @@
           <a:p>
             <a:fld id="{AF728027-5FF1-4C4C-840F-5791F9AE04D5}" type="datetimeFigureOut">
               <a:rPr lang="en-AU" smtClean="0"/>
-              <a:t>14/5/18</a:t>
+              <a:t>14/05/2018</a:t>
             </a:fld>
             <a:endParaRPr lang="en-AU"/>
           </a:p>
@@ -20595,6 +20599,9 @@
             </a:pPr>
             <a:endParaRPr lang="en-AU" dirty="0"/>
           </a:p>
+          <a:p>
+            <a:endParaRPr lang="en-AU" dirty="0"/>
+          </a:p>
         </p:txBody>
       </p:sp>
       <p:sp>
@@ -20614,7 +20621,7 @@
           <a:p>
             <a:fld id="{B1506C49-874C-4049-A2D7-4189454C6028}" type="slidenum">
               <a:rPr lang="en-AU" smtClean="0"/>
-              <a:t>2</a:t>
+              <a:t>3</a:t>
             </a:fld>
             <a:endParaRPr lang="en-AU"/>
           </a:p>
@@ -20623,7 +20630,7 @@
     </p:spTree>
     <p:extLst>
       <p:ext uri="{BB962C8B-B14F-4D97-AF65-F5344CB8AC3E}">
-        <p14:creationId xmlns:p14="http://schemas.microsoft.com/office/powerpoint/2010/main" val="386289238"/>
+        <p14:creationId xmlns:p14="http://schemas.microsoft.com/office/powerpoint/2010/main" val="941142734"/>
       </p:ext>
     </p:extLst>
   </p:cSld>
@@ -20784,7 +20791,7 @@
           <a:p>
             <a:fld id="{B1506C49-874C-4049-A2D7-4189454C6028}" type="slidenum">
               <a:rPr lang="en-AU" smtClean="0"/>
-              <a:t>6</a:t>
+              <a:t>5</a:t>
             </a:fld>
             <a:endParaRPr lang="en-AU"/>
           </a:p>
@@ -20872,7 +20879,7 @@
           <a:p>
             <a:fld id="{B1506C49-874C-4049-A2D7-4189454C6028}" type="slidenum">
               <a:rPr lang="en-AU" smtClean="0"/>
-              <a:t>7</a:t>
+              <a:t>6</a:t>
             </a:fld>
             <a:endParaRPr lang="en-AU"/>
           </a:p>
@@ -20960,7 +20967,7 @@
           <a:p>
             <a:fld id="{B1506C49-874C-4049-A2D7-4189454C6028}" type="slidenum">
               <a:rPr lang="en-AU" smtClean="0"/>
-              <a:t>9</a:t>
+              <a:t>8</a:t>
             </a:fld>
             <a:endParaRPr lang="en-AU"/>
           </a:p>
@@ -21044,7 +21051,7 @@
           <a:p>
             <a:fld id="{B1506C49-874C-4049-A2D7-4189454C6028}" type="slidenum">
               <a:rPr lang="en-AU" smtClean="0"/>
-              <a:t>11</a:t>
+              <a:t>10</a:t>
             </a:fld>
             <a:endParaRPr lang="en-AU"/>
           </a:p>
@@ -21202,7 +21209,7 @@
           <a:p>
             <a:fld id="{E6F99C51-2E42-468C-B8B5-019DB01796CD}" type="datetimeFigureOut">
               <a:rPr lang="en-AU" smtClean="0"/>
-              <a:t>14/5/18</a:t>
+              <a:t>14/05/2018</a:t>
             </a:fld>
             <a:endParaRPr lang="en-AU"/>
           </a:p>
@@ -21413,7 +21420,7 @@
           <a:p>
             <a:fld id="{E6F99C51-2E42-468C-B8B5-019DB01796CD}" type="datetimeFigureOut">
               <a:rPr lang="en-AU" smtClean="0"/>
-              <a:t>14/5/18</a:t>
+              <a:t>14/05/2018</a:t>
             </a:fld>
             <a:endParaRPr lang="en-AU"/>
           </a:p>
@@ -21628,7 +21635,7 @@
           <a:p>
             <a:fld id="{E6F99C51-2E42-468C-B8B5-019DB01796CD}" type="datetimeFigureOut">
               <a:rPr lang="en-AU" smtClean="0"/>
-              <a:t>14/5/18</a:t>
+              <a:t>14/05/2018</a:t>
             </a:fld>
             <a:endParaRPr lang="en-AU"/>
           </a:p>
@@ -21829,7 +21836,7 @@
           <a:p>
             <a:fld id="{E6F99C51-2E42-468C-B8B5-019DB01796CD}" type="datetimeFigureOut">
               <a:rPr lang="en-AU" smtClean="0"/>
-              <a:t>14/5/18</a:t>
+              <a:t>14/05/2018</a:t>
             </a:fld>
             <a:endParaRPr lang="en-AU"/>
           </a:p>
@@ -22108,7 +22115,7 @@
           <a:p>
             <a:fld id="{E6F99C51-2E42-468C-B8B5-019DB01796CD}" type="datetimeFigureOut">
               <a:rPr lang="en-AU" smtClean="0"/>
-              <a:t>14/5/18</a:t>
+              <a:t>14/05/2018</a:t>
             </a:fld>
             <a:endParaRPr lang="en-AU"/>
           </a:p>
@@ -22376,7 +22383,7 @@
           <a:p>
             <a:fld id="{E6F99C51-2E42-468C-B8B5-019DB01796CD}" type="datetimeFigureOut">
               <a:rPr lang="en-AU" smtClean="0"/>
-              <a:t>14/5/18</a:t>
+              <a:t>14/05/2018</a:t>
             </a:fld>
             <a:endParaRPr lang="en-AU"/>
           </a:p>
@@ -22792,7 +22799,7 @@
           <a:p>
             <a:fld id="{E6F99C51-2E42-468C-B8B5-019DB01796CD}" type="datetimeFigureOut">
               <a:rPr lang="en-AU" smtClean="0"/>
-              <a:t>14/5/18</a:t>
+              <a:t>14/05/2018</a:t>
             </a:fld>
             <a:endParaRPr lang="en-AU"/>
           </a:p>
@@ -22941,7 +22948,7 @@
           <a:p>
             <a:fld id="{E6F99C51-2E42-468C-B8B5-019DB01796CD}" type="datetimeFigureOut">
               <a:rPr lang="en-AU" smtClean="0"/>
-              <a:t>14/5/18</a:t>
+              <a:t>14/05/2018</a:t>
             </a:fld>
             <a:endParaRPr lang="en-AU"/>
           </a:p>
@@ -23067,7 +23074,7 @@
           <a:p>
             <a:fld id="{E6F99C51-2E42-468C-B8B5-019DB01796CD}" type="datetimeFigureOut">
               <a:rPr lang="en-AU" smtClean="0"/>
-              <a:t>14/5/18</a:t>
+              <a:t>14/05/2018</a:t>
             </a:fld>
             <a:endParaRPr lang="en-AU"/>
           </a:p>
@@ -23318,7 +23325,7 @@
           <a:p>
             <a:fld id="{E6F99C51-2E42-468C-B8B5-019DB01796CD}" type="datetimeFigureOut">
               <a:rPr lang="en-AU" smtClean="0"/>
-              <a:t>14/5/18</a:t>
+              <a:t>14/05/2018</a:t>
             </a:fld>
             <a:endParaRPr lang="en-AU"/>
           </a:p>
@@ -23763,7 +23770,7 @@
           <a:p>
             <a:fld id="{E6F99C51-2E42-468C-B8B5-019DB01796CD}" type="datetimeFigureOut">
               <a:rPr lang="en-AU" smtClean="0"/>
-              <a:t>14/5/18</a:t>
+              <a:t>14/05/2018</a:t>
             </a:fld>
             <a:endParaRPr lang="en-AU"/>
           </a:p>
@@ -24089,7 +24096,7 @@
           <a:p>
             <a:fld id="{E6F99C51-2E42-468C-B8B5-019DB01796CD}" type="datetimeFigureOut">
               <a:rPr lang="en-AU" smtClean="0"/>
-              <a:t>14/5/18</a:t>
+              <a:t>14/05/2018</a:t>
             </a:fld>
             <a:endParaRPr lang="en-AU"/>
           </a:p>
@@ -24673,130 +24680,6 @@
           <p:cNvPr id="2" name="Title 1">
             <a:extLst>
               <a:ext uri="{FF2B5EF4-FFF2-40B4-BE49-F238E27FC236}">
-                <a16:creationId xmlns:a16="http://schemas.microsoft.com/office/drawing/2014/main" id="{99F487ED-0EBE-465B-849D-EDFEF78EEAFC}"/>
-              </a:ext>
-            </a:extLst>
-          </p:cNvPr>
-          <p:cNvSpPr>
-            <a:spLocks noGrp="1"/>
-          </p:cNvSpPr>
-          <p:nvPr>
-            <p:ph type="title"/>
-          </p:nvPr>
-        </p:nvSpPr>
-        <p:spPr/>
-        <p:txBody>
-          <a:bodyPr/>
-          <a:lstStyle/>
-          <a:p>
-            <a:r>
-              <a:rPr lang="en-AU" dirty="0"/>
-              <a:t>Model 1</a:t>
-            </a:r>
-          </a:p>
-        </p:txBody>
-      </p:sp>
-      <p:sp>
-        <p:nvSpPr>
-          <p:cNvPr id="3" name="Content Placeholder 2">
-            <a:extLst>
-              <a:ext uri="{FF2B5EF4-FFF2-40B4-BE49-F238E27FC236}">
-                <a16:creationId xmlns:a16="http://schemas.microsoft.com/office/drawing/2014/main" id="{918F3820-73C2-4CED-9031-FD6092CEA6B3}"/>
-              </a:ext>
-            </a:extLst>
-          </p:cNvPr>
-          <p:cNvSpPr>
-            <a:spLocks noGrp="1"/>
-          </p:cNvSpPr>
-          <p:nvPr>
-            <p:ph idx="1"/>
-          </p:nvPr>
-        </p:nvSpPr>
-        <p:spPr>
-          <a:xfrm>
-            <a:off x="1451579" y="2015732"/>
-            <a:ext cx="9730541" cy="870687"/>
-          </a:xfrm>
-        </p:spPr>
-        <p:txBody>
-          <a:bodyPr/>
-          <a:lstStyle/>
-          <a:p>
-            <a:r>
-              <a:rPr lang="en-AU" dirty="0"/>
-              <a:t>GDP = Consumption(C) + Investment(I) + Government Spending (G) + Net Exports (X)</a:t>
-            </a:r>
-          </a:p>
-          <a:p>
-            <a:endParaRPr lang="en-AU" dirty="0"/>
-          </a:p>
-        </p:txBody>
-      </p:sp>
-      <p:graphicFrame>
-        <p:nvGraphicFramePr>
-          <p:cNvPr id="5" name="Chart 4">
-            <a:extLst>
-              <a:ext uri="{FF2B5EF4-FFF2-40B4-BE49-F238E27FC236}">
-                <a16:creationId xmlns:a16="http://schemas.microsoft.com/office/drawing/2014/main" id="{2D3710B8-7BA8-4E20-9315-DE5E2D42F992}"/>
-              </a:ext>
-            </a:extLst>
-          </p:cNvPr>
-          <p:cNvGraphicFramePr>
-            <a:graphicFrameLocks/>
-          </p:cNvGraphicFramePr>
-          <p:nvPr>
-            <p:extLst>
-              <p:ext uri="{D42A27DB-BD31-4B8C-83A1-F6EECF244321}">
-                <p14:modId xmlns:p14="http://schemas.microsoft.com/office/powerpoint/2010/main" val="2407573013"/>
-              </p:ext>
-            </p:extLst>
-          </p:nvPr>
-        </p:nvGraphicFramePr>
-        <p:xfrm>
-          <a:off x="1451580" y="2610998"/>
-          <a:ext cx="9603274" cy="3338109"/>
-        </p:xfrm>
-        <a:graphic>
-          <a:graphicData uri="http://schemas.openxmlformats.org/drawingml/2006/chart">
-            <c:chart xmlns:c="http://schemas.openxmlformats.org/drawingml/2006/chart" xmlns:r="http://schemas.openxmlformats.org/officeDocument/2006/relationships" r:id="rId2"/>
-          </a:graphicData>
-        </a:graphic>
-      </p:graphicFrame>
-    </p:spTree>
-    <p:extLst>
-      <p:ext uri="{BB962C8B-B14F-4D97-AF65-F5344CB8AC3E}">
-        <p14:creationId xmlns:p14="http://schemas.microsoft.com/office/powerpoint/2010/main" val="3548542842"/>
-      </p:ext>
-    </p:extLst>
-  </p:cSld>
-  <p:clrMapOvr>
-    <a:masterClrMapping/>
-  </p:clrMapOvr>
-</p:sld>
-</file>
-
-<file path=ppt/slides/slide11.xml><?xml version="1.0" encoding="utf-8"?>
-<p:sld xmlns:a="http://schemas.openxmlformats.org/drawingml/2006/main" xmlns:r="http://schemas.openxmlformats.org/officeDocument/2006/relationships" xmlns:p="http://schemas.openxmlformats.org/presentationml/2006/main">
-  <p:cSld>
-    <p:spTree>
-      <p:nvGrpSpPr>
-        <p:cNvPr id="1" name=""/>
-        <p:cNvGrpSpPr/>
-        <p:nvPr/>
-      </p:nvGrpSpPr>
-      <p:grpSpPr>
-        <a:xfrm>
-          <a:off x="0" y="0"/>
-          <a:ext cx="0" cy="0"/>
-          <a:chOff x="0" y="0"/>
-          <a:chExt cx="0" cy="0"/>
-        </a:xfrm>
-      </p:grpSpPr>
-      <p:sp>
-        <p:nvSpPr>
-          <p:cNvPr id="2" name="Title 1">
-            <a:extLst>
-              <a:ext uri="{FF2B5EF4-FFF2-40B4-BE49-F238E27FC236}">
                 <a16:creationId xmlns:a16="http://schemas.microsoft.com/office/drawing/2014/main" id="{EFDBCB7B-1713-4BBD-87B9-B226642CDF9B}"/>
               </a:ext>
             </a:extLst>
@@ -24894,7 +24777,7 @@
 </p:sld>
 </file>
 
-<file path=ppt/slides/slide12.xml><?xml version="1.0" encoding="utf-8"?>
+<file path=ppt/slides/slide11.xml><?xml version="1.0" encoding="utf-8"?>
 <p:sld xmlns:a="http://schemas.openxmlformats.org/drawingml/2006/main" xmlns:r="http://schemas.openxmlformats.org/officeDocument/2006/relationships" xmlns:p="http://schemas.openxmlformats.org/presentationml/2006/main">
   <p:cSld>
     <p:spTree>
@@ -25089,7 +24972,7 @@
 </p:sld>
 </file>
 
-<file path=ppt/slides/slide13.xml><?xml version="1.0" encoding="utf-8"?>
+<file path=ppt/slides/slide12.xml><?xml version="1.0" encoding="utf-8"?>
 <p:sld xmlns:a="http://schemas.openxmlformats.org/drawingml/2006/main" xmlns:r="http://schemas.openxmlformats.org/officeDocument/2006/relationships" xmlns:p="http://schemas.openxmlformats.org/presentationml/2006/main">
   <p:cSld>
     <p:spTree>
@@ -25248,7 +25131,7 @@
 </p:sld>
 </file>
 
-<file path=ppt/slides/slide14.xml><?xml version="1.0" encoding="utf-8"?>
+<file path=ppt/slides/slide13.xml><?xml version="1.0" encoding="utf-8"?>
 <p:sld xmlns:a="http://schemas.openxmlformats.org/drawingml/2006/main" xmlns:r="http://schemas.openxmlformats.org/officeDocument/2006/relationships" xmlns:p="http://schemas.openxmlformats.org/presentationml/2006/main">
   <p:cSld>
     <p:spTree>
@@ -25382,7 +25265,7 @@
 </p:sld>
 </file>
 
-<file path=ppt/slides/slide15.xml><?xml version="1.0" encoding="utf-8"?>
+<file path=ppt/slides/slide14.xml><?xml version="1.0" encoding="utf-8"?>
 <p:sld xmlns:a="http://schemas.openxmlformats.org/drawingml/2006/main" xmlns:r="http://schemas.openxmlformats.org/officeDocument/2006/relationships" xmlns:p="http://schemas.openxmlformats.org/presentationml/2006/main">
   <p:cSld>
     <p:spTree>
@@ -25544,7 +25427,7 @@
 </p:sld>
 </file>
 
-<file path=ppt/slides/slide16.xml><?xml version="1.0" encoding="utf-8"?>
+<file path=ppt/slides/slide15.xml><?xml version="1.0" encoding="utf-8"?>
 <p:sld xmlns:a="http://schemas.openxmlformats.org/drawingml/2006/main" xmlns:r="http://schemas.openxmlformats.org/officeDocument/2006/relationships" xmlns:p="http://schemas.openxmlformats.org/presentationml/2006/main">
   <p:cSld>
     <p:spTree>
@@ -25713,7 +25596,7 @@
 </p:sld>
 </file>
 
-<file path=ppt/slides/slide17.xml><?xml version="1.0" encoding="utf-8"?>
+<file path=ppt/slides/slide16.xml><?xml version="1.0" encoding="utf-8"?>
 <p:sld xmlns:a="http://schemas.openxmlformats.org/drawingml/2006/main" xmlns:r="http://schemas.openxmlformats.org/officeDocument/2006/relationships" xmlns:p="http://schemas.openxmlformats.org/presentationml/2006/main">
   <p:cSld>
     <p:spTree>
@@ -25787,6 +25670,104 @@
     <p:extLst>
       <p:ext uri="{BB962C8B-B14F-4D97-AF65-F5344CB8AC3E}">
         <p14:creationId xmlns:p14="http://schemas.microsoft.com/office/powerpoint/2010/main" val="3044451480"/>
+      </p:ext>
+    </p:extLst>
+  </p:cSld>
+  <p:clrMapOvr>
+    <a:masterClrMapping/>
+  </p:clrMapOvr>
+</p:sld>
+</file>
+
+<file path=ppt/slides/slide17.xml><?xml version="1.0" encoding="utf-8"?>
+<p:sld xmlns:a="http://schemas.openxmlformats.org/drawingml/2006/main" xmlns:r="http://schemas.openxmlformats.org/officeDocument/2006/relationships" xmlns:p="http://schemas.openxmlformats.org/presentationml/2006/main">
+  <p:cSld>
+    <p:spTree>
+      <p:nvGrpSpPr>
+        <p:cNvPr id="1" name=""/>
+        <p:cNvGrpSpPr/>
+        <p:nvPr/>
+      </p:nvGrpSpPr>
+      <p:grpSpPr>
+        <a:xfrm>
+          <a:off x="0" y="0"/>
+          <a:ext cx="0" cy="0"/>
+          <a:chOff x="0" y="0"/>
+          <a:chExt cx="0" cy="0"/>
+        </a:xfrm>
+      </p:grpSpPr>
+      <p:sp>
+        <p:nvSpPr>
+          <p:cNvPr id="2" name="Title 1">
+            <a:extLst>
+              <a:ext uri="{FF2B5EF4-FFF2-40B4-BE49-F238E27FC236}">
+                <a16:creationId xmlns:a16="http://schemas.microsoft.com/office/drawing/2014/main" id="{1CD2EBDA-5206-4D24-B0FE-851690DDBFE2}"/>
+              </a:ext>
+            </a:extLst>
+          </p:cNvPr>
+          <p:cNvSpPr>
+            <a:spLocks noGrp="1"/>
+          </p:cNvSpPr>
+          <p:nvPr>
+            <p:ph type="title"/>
+          </p:nvPr>
+        </p:nvSpPr>
+        <p:spPr/>
+        <p:txBody>
+          <a:bodyPr/>
+          <a:lstStyle/>
+          <a:p>
+            <a:r>
+              <a:rPr lang="en-AU" dirty="0"/>
+              <a:t>Model 3</a:t>
+            </a:r>
+          </a:p>
+        </p:txBody>
+      </p:sp>
+      <p:sp>
+        <p:nvSpPr>
+          <p:cNvPr id="3" name="Content Placeholder 2">
+            <a:extLst>
+              <a:ext uri="{FF2B5EF4-FFF2-40B4-BE49-F238E27FC236}">
+                <a16:creationId xmlns:a16="http://schemas.microsoft.com/office/drawing/2014/main" id="{FF20F0BB-95F6-4A39-8112-F7BADD4ACC27}"/>
+              </a:ext>
+            </a:extLst>
+          </p:cNvPr>
+          <p:cNvSpPr>
+            <a:spLocks noGrp="1"/>
+          </p:cNvSpPr>
+          <p:nvPr>
+            <p:ph idx="1"/>
+          </p:nvPr>
+        </p:nvSpPr>
+        <p:spPr/>
+        <p:txBody>
+          <a:bodyPr/>
+          <a:lstStyle/>
+          <a:p>
+            <a:r>
+              <a:rPr lang="en-AU" dirty="0"/>
+              <a:t>With Model 3 we intend to utilise our findings from Model 1 and Model 2 to build a better predictive model of factors that affect GDP</a:t>
+            </a:r>
+          </a:p>
+          <a:p>
+            <a:r>
+              <a:rPr lang="en-AU" dirty="0"/>
+              <a:t>As experts in the field of economics, are there any other factors that you would suggest we look into that we have not covered in Model 1 or Model 2.</a:t>
+            </a:r>
+          </a:p>
+          <a:p>
+            <a:pPr marL="457200" lvl="1" indent="0">
+              <a:buNone/>
+            </a:pPr>
+            <a:endParaRPr lang="en-AU" dirty="0"/>
+          </a:p>
+        </p:txBody>
+      </p:sp>
+    </p:spTree>
+    <p:extLst>
+      <p:ext uri="{BB962C8B-B14F-4D97-AF65-F5344CB8AC3E}">
+        <p14:creationId xmlns:p14="http://schemas.microsoft.com/office/powerpoint/2010/main" val="803641459"/>
       </p:ext>
     </p:extLst>
   </p:cSld>
@@ -25927,7 +25908,7 @@
           <p:cNvPr id="2" name="Title 1">
             <a:extLst>
               <a:ext uri="{FF2B5EF4-FFF2-40B4-BE49-F238E27FC236}">
-                <a16:creationId xmlns:a16="http://schemas.microsoft.com/office/drawing/2014/main" id="{66C94C2D-E3E5-4E70-9395-7DC63EC52814}"/>
+                <a16:creationId xmlns:a16="http://schemas.microsoft.com/office/drawing/2014/main" id="{CCE45229-FBBA-A749-A349-1BAECB1D5334}"/>
               </a:ext>
             </a:extLst>
           </p:cNvPr>
@@ -25944,15 +25925,8 @@
           <a:lstStyle/>
           <a:p>
             <a:r>
-              <a:rPr lang="en-AU" dirty="0"/>
-              <a:t>How can we help you </a:t>
-            </a:r>
-            <a:br>
-              <a:rPr lang="en-AU" dirty="0"/>
-            </a:br>
-            <a:r>
-              <a:rPr lang="en-AU" dirty="0"/>
-              <a:t>(commonwealth Government Ministers)</a:t>
+              <a:rPr lang="en-US" dirty="0"/>
+              <a:t>Who Are our audience?</a:t>
             </a:r>
           </a:p>
         </p:txBody>
@@ -25962,7 +25936,7 @@
           <p:cNvPr id="3" name="Content Placeholder 2">
             <a:extLst>
               <a:ext uri="{FF2B5EF4-FFF2-40B4-BE49-F238E27FC236}">
-                <a16:creationId xmlns:a16="http://schemas.microsoft.com/office/drawing/2014/main" id="{6A7A6296-1D5D-4A55-8C35-D9A1B2B4D3AB}"/>
+                <a16:creationId xmlns:a16="http://schemas.microsoft.com/office/drawing/2014/main" id="{02046089-32F8-6D45-8548-7CB410AF490B}"/>
               </a:ext>
             </a:extLst>
           </p:cNvPr>
@@ -25975,66 +25949,35 @@
         </p:nvSpPr>
         <p:spPr/>
         <p:txBody>
-          <a:bodyPr>
-            <a:normAutofit/>
-          </a:bodyPr>
+          <a:bodyPr/>
           <a:lstStyle/>
           <a:p>
             <a:r>
-              <a:rPr lang="en-AU" b="1" dirty="0"/>
-              <a:t>MAIN ISSUE:</a:t>
-            </a:r>
-            <a:r>
-              <a:rPr lang="en-AU" dirty="0"/>
-              <a:t>  It has now been 107 quarters since Australia had a technical recession, defined as two consecutive quarters of negative economic growth.</a:t>
+              <a:rPr lang="en-US" b="1" dirty="0"/>
+              <a:t>Department of Treasury for advice on preparing the Australian Government Budget. </a:t>
             </a:r>
           </a:p>
           <a:p>
-            <a:pPr lvl="1"/>
             <a:r>
-              <a:rPr lang="en-AU" b="1" i="1" dirty="0"/>
-              <a:t>Supplementary Questions: </a:t>
+              <a:rPr lang="en-US" b="1" dirty="0"/>
+              <a:t>Investors in the Australian Stock Exchange  Top 50 companies.</a:t>
             </a:r>
           </a:p>
           <a:p>
-            <a:pPr lvl="1"/>
             <a:r>
-              <a:rPr lang="en-AU" dirty="0"/>
-              <a:t>is this an accurate description of what is actually happening with the underlying data</a:t>
-            </a:r>
-            <a:endParaRPr lang="en-AU" b="1" i="1" dirty="0"/>
-          </a:p>
-          <a:p>
-            <a:pPr lvl="1"/>
-            <a:r>
-              <a:rPr lang="en-AU" dirty="0"/>
-              <a:t>what are the main factors that contribute to economic growth</a:t>
+              <a:rPr lang="en-US" b="1" dirty="0"/>
+              <a:t>General audience who have interest in the economic progress of the nation.</a:t>
             </a:r>
           </a:p>
           <a:p>
-            <a:pPr lvl="1"/>
-            <a:r>
-              <a:rPr lang="en-AU" dirty="0"/>
-              <a:t>is it possible to predict economic growth using information from other factors</a:t>
-            </a:r>
-          </a:p>
-          <a:p>
-            <a:pPr lvl="1"/>
-            <a:r>
-              <a:rPr lang="en-AU" dirty="0"/>
-              <a:t>what factors do you need to watch out for as Commonwealth Government Ministers when making new policy decisions or new laws</a:t>
-            </a:r>
-          </a:p>
-          <a:p>
-            <a:pPr lvl="1"/>
-            <a:endParaRPr lang="en-AU" b="1" i="1" dirty="0"/>
+            <a:endParaRPr lang="en-US" dirty="0"/>
           </a:p>
         </p:txBody>
       </p:sp>
     </p:spTree>
     <p:extLst>
       <p:ext uri="{BB962C8B-B14F-4D97-AF65-F5344CB8AC3E}">
-        <p14:creationId xmlns:p14="http://schemas.microsoft.com/office/powerpoint/2010/main" val="985890515"/>
+        <p14:creationId xmlns:p14="http://schemas.microsoft.com/office/powerpoint/2010/main" val="3134064599"/>
       </p:ext>
     </p:extLst>
   </p:cSld>
@@ -26107,36 +26050,61 @@
         </p:nvSpPr>
         <p:spPr/>
         <p:txBody>
-          <a:bodyPr/>
+          <a:bodyPr>
+            <a:normAutofit/>
+          </a:bodyPr>
           <a:lstStyle/>
           <a:p>
+            <a:r>
+              <a:rPr lang="en-AU" b="1" dirty="0"/>
+              <a:t>MAIN ISSUE:</a:t>
+            </a:r>
+            <a:r>
+              <a:rPr lang="en-AU" dirty="0"/>
+              <a:t>  It has now been 107 quarters since Australia had a technical recession, defined as two consecutive quarters of negative economic growth.</a:t>
+            </a:r>
+          </a:p>
+          <a:p>
+            <a:pPr lvl="1"/>
+            <a:r>
+              <a:rPr lang="en-AU" b="1" i="1" dirty="0"/>
+              <a:t>Supplementary Questions: </a:t>
+            </a:r>
+            <a:endParaRPr lang="en-AU" dirty="0"/>
+          </a:p>
+          <a:p>
+            <a:pPr lvl="2"/>
+            <a:r>
+              <a:rPr lang="en-AU" dirty="0"/>
+              <a:t>is this an accurate description of what is actually happening with the underlying data</a:t>
+            </a:r>
+          </a:p>
+          <a:p>
+            <a:pPr lvl="2"/>
             <a:r>
               <a:rPr lang="en-AU" dirty="0"/>
               <a:t>What are the main factors that contribute to GDP in Australia ?</a:t>
             </a:r>
           </a:p>
           <a:p>
+            <a:pPr lvl="2"/>
             <a:r>
               <a:rPr lang="en-AU" dirty="0"/>
-              <a:t>How would the GDP change in future years?</a:t>
+              <a:t>What factors would heavily affect how the GDP changes in future years?</a:t>
             </a:r>
           </a:p>
           <a:p>
-            <a:r>
-              <a:rPr lang="en-AU" dirty="0"/>
-              <a:t>Will the inflation rates continue to grow?</a:t>
-            </a:r>
-          </a:p>
-          <a:p>
+            <a:pPr lvl="2"/>
             <a:r>
               <a:rPr lang="en-AU" dirty="0"/>
               <a:t>Does unemployment rate affect GDP?</a:t>
             </a:r>
           </a:p>
           <a:p>
+            <a:pPr lvl="2"/>
             <a:r>
               <a:rPr lang="en-AU" dirty="0"/>
-              <a:t>Does increase in GDP lead to increase in ASX50 stock prices?</a:t>
+              <a:t>Does increase in GDP lead to increase in ASX50 stock prices? </a:t>
             </a:r>
           </a:p>
           <a:p>
@@ -26161,115 +26129,6 @@
 </file>
 
 <file path=ppt/slides/slide4.xml><?xml version="1.0" encoding="utf-8"?>
-<p:sld xmlns:a="http://schemas.openxmlformats.org/drawingml/2006/main" xmlns:r="http://schemas.openxmlformats.org/officeDocument/2006/relationships" xmlns:p="http://schemas.openxmlformats.org/presentationml/2006/main">
-  <p:cSld>
-    <p:spTree>
-      <p:nvGrpSpPr>
-        <p:cNvPr id="1" name=""/>
-        <p:cNvGrpSpPr/>
-        <p:nvPr/>
-      </p:nvGrpSpPr>
-      <p:grpSpPr>
-        <a:xfrm>
-          <a:off x="0" y="0"/>
-          <a:ext cx="0" cy="0"/>
-          <a:chOff x="0" y="0"/>
-          <a:chExt cx="0" cy="0"/>
-        </a:xfrm>
-      </p:grpSpPr>
-      <p:sp>
-        <p:nvSpPr>
-          <p:cNvPr id="2" name="Title 1">
-            <a:extLst>
-              <a:ext uri="{FF2B5EF4-FFF2-40B4-BE49-F238E27FC236}">
-                <a16:creationId xmlns:a16="http://schemas.microsoft.com/office/drawing/2014/main" id="{CCE45229-FBBA-A749-A349-1BAECB1D5334}"/>
-              </a:ext>
-            </a:extLst>
-          </p:cNvPr>
-          <p:cNvSpPr>
-            <a:spLocks noGrp="1"/>
-          </p:cNvSpPr>
-          <p:nvPr>
-            <p:ph type="title"/>
-          </p:nvPr>
-        </p:nvSpPr>
-        <p:spPr/>
-        <p:txBody>
-          <a:bodyPr/>
-          <a:lstStyle/>
-          <a:p>
-            <a:r>
-              <a:rPr lang="en-US" dirty="0"/>
-              <a:t>Who Are our audience?</a:t>
-            </a:r>
-          </a:p>
-        </p:txBody>
-      </p:sp>
-      <p:sp>
-        <p:nvSpPr>
-          <p:cNvPr id="3" name="Content Placeholder 2">
-            <a:extLst>
-              <a:ext uri="{FF2B5EF4-FFF2-40B4-BE49-F238E27FC236}">
-                <a16:creationId xmlns:a16="http://schemas.microsoft.com/office/drawing/2014/main" id="{02046089-32F8-6D45-8548-7CB410AF490B}"/>
-              </a:ext>
-            </a:extLst>
-          </p:cNvPr>
-          <p:cNvSpPr>
-            <a:spLocks noGrp="1"/>
-          </p:cNvSpPr>
-          <p:nvPr>
-            <p:ph idx="1"/>
-          </p:nvPr>
-        </p:nvSpPr>
-        <p:spPr/>
-        <p:txBody>
-          <a:bodyPr/>
-          <a:lstStyle/>
-          <a:p>
-            <a:r>
-              <a:rPr lang="en-US" b="1" dirty="0"/>
-              <a:t>Department of Finance </a:t>
-            </a:r>
-            <a:r>
-              <a:rPr lang="en-US" dirty="0"/>
-              <a:t>for advice on preparing the </a:t>
-            </a:r>
-            <a:r>
-              <a:rPr lang="en-US" b="1" dirty="0"/>
-              <a:t>Australian Government Budget. </a:t>
-            </a:r>
-          </a:p>
-          <a:p>
-            <a:r>
-              <a:rPr lang="en-US" b="1" dirty="0"/>
-              <a:t>Investors in the Australian Stock Exchange  Top 50 companies.</a:t>
-            </a:r>
-          </a:p>
-          <a:p>
-            <a:r>
-              <a:rPr lang="en-US" b="1" dirty="0"/>
-              <a:t>General audience who have interest in the economic progress of the nation.</a:t>
-            </a:r>
-          </a:p>
-          <a:p>
-            <a:endParaRPr lang="en-US" dirty="0"/>
-          </a:p>
-        </p:txBody>
-      </p:sp>
-    </p:spTree>
-    <p:extLst>
-      <p:ext uri="{BB962C8B-B14F-4D97-AF65-F5344CB8AC3E}">
-        <p14:creationId xmlns:p14="http://schemas.microsoft.com/office/powerpoint/2010/main" val="3134064599"/>
-      </p:ext>
-    </p:extLst>
-  </p:cSld>
-  <p:clrMapOvr>
-    <a:masterClrMapping/>
-  </p:clrMapOvr>
-</p:sld>
-</file>
-
-<file path=ppt/slides/slide5.xml><?xml version="1.0" encoding="utf-8"?>
 <p:sld xmlns:a="http://schemas.openxmlformats.org/drawingml/2006/main" xmlns:r="http://schemas.openxmlformats.org/officeDocument/2006/relationships" xmlns:p="http://schemas.openxmlformats.org/presentationml/2006/main">
   <p:cSld>
     <p:spTree>
@@ -26390,7 +26249,7 @@
 </p:sld>
 </file>
 
-<file path=ppt/slides/slide6.xml><?xml version="1.0" encoding="utf-8"?>
+<file path=ppt/slides/slide5.xml><?xml version="1.0" encoding="utf-8"?>
 <p:sld xmlns:a="http://schemas.openxmlformats.org/drawingml/2006/main" xmlns:r="http://schemas.openxmlformats.org/officeDocument/2006/relationships" xmlns:p="http://schemas.openxmlformats.org/presentationml/2006/main">
   <p:cSld>
     <p:spTree>
@@ -26479,7 +26338,7 @@
 </p:sld>
 </file>
 
-<file path=ppt/slides/slide7.xml><?xml version="1.0" encoding="utf-8"?>
+<file path=ppt/slides/slide6.xml><?xml version="1.0" encoding="utf-8"?>
 <p:sld xmlns:a="http://schemas.openxmlformats.org/drawingml/2006/main" xmlns:r="http://schemas.openxmlformats.org/officeDocument/2006/relationships" xmlns:p="http://schemas.openxmlformats.org/presentationml/2006/main">
   <p:cSld>
     <p:spTree>
@@ -26573,7 +26432,7 @@
 </p:sld>
 </file>
 
-<file path=ppt/slides/slide8.xml><?xml version="1.0" encoding="utf-8"?>
+<file path=ppt/slides/slide7.xml><?xml version="1.0" encoding="utf-8"?>
 <p:sld xmlns:a="http://schemas.openxmlformats.org/drawingml/2006/main" xmlns:r="http://schemas.openxmlformats.org/officeDocument/2006/relationships" xmlns:p="http://schemas.openxmlformats.org/presentationml/2006/main">
   <p:cSld>
     <p:spTree>
@@ -26677,7 +26536,7 @@
 </p:sld>
 </file>
 
-<file path=ppt/slides/slide9.xml><?xml version="1.0" encoding="utf-8"?>
+<file path=ppt/slides/slide8.xml><?xml version="1.0" encoding="utf-8"?>
 <p:sld xmlns:a="http://schemas.openxmlformats.org/drawingml/2006/main" xmlns:r="http://schemas.openxmlformats.org/officeDocument/2006/relationships" xmlns:p="http://schemas.openxmlformats.org/presentationml/2006/main">
   <p:cSld>
     <p:spTree>
@@ -26817,6 +26676,130 @@
     <p:extLst>
       <p:ext uri="{BB962C8B-B14F-4D97-AF65-F5344CB8AC3E}">
         <p14:creationId xmlns:p14="http://schemas.microsoft.com/office/powerpoint/2010/main" val="2018524215"/>
+      </p:ext>
+    </p:extLst>
+  </p:cSld>
+  <p:clrMapOvr>
+    <a:masterClrMapping/>
+  </p:clrMapOvr>
+</p:sld>
+</file>
+
+<file path=ppt/slides/slide9.xml><?xml version="1.0" encoding="utf-8"?>
+<p:sld xmlns:a="http://schemas.openxmlformats.org/drawingml/2006/main" xmlns:r="http://schemas.openxmlformats.org/officeDocument/2006/relationships" xmlns:p="http://schemas.openxmlformats.org/presentationml/2006/main">
+  <p:cSld>
+    <p:spTree>
+      <p:nvGrpSpPr>
+        <p:cNvPr id="1" name=""/>
+        <p:cNvGrpSpPr/>
+        <p:nvPr/>
+      </p:nvGrpSpPr>
+      <p:grpSpPr>
+        <a:xfrm>
+          <a:off x="0" y="0"/>
+          <a:ext cx="0" cy="0"/>
+          <a:chOff x="0" y="0"/>
+          <a:chExt cx="0" cy="0"/>
+        </a:xfrm>
+      </p:grpSpPr>
+      <p:sp>
+        <p:nvSpPr>
+          <p:cNvPr id="2" name="Title 1">
+            <a:extLst>
+              <a:ext uri="{FF2B5EF4-FFF2-40B4-BE49-F238E27FC236}">
+                <a16:creationId xmlns:a16="http://schemas.microsoft.com/office/drawing/2014/main" id="{99F487ED-0EBE-465B-849D-EDFEF78EEAFC}"/>
+              </a:ext>
+            </a:extLst>
+          </p:cNvPr>
+          <p:cNvSpPr>
+            <a:spLocks noGrp="1"/>
+          </p:cNvSpPr>
+          <p:nvPr>
+            <p:ph type="title"/>
+          </p:nvPr>
+        </p:nvSpPr>
+        <p:spPr/>
+        <p:txBody>
+          <a:bodyPr/>
+          <a:lstStyle/>
+          <a:p>
+            <a:r>
+              <a:rPr lang="en-AU" dirty="0"/>
+              <a:t>Model 1</a:t>
+            </a:r>
+          </a:p>
+        </p:txBody>
+      </p:sp>
+      <p:sp>
+        <p:nvSpPr>
+          <p:cNvPr id="3" name="Content Placeholder 2">
+            <a:extLst>
+              <a:ext uri="{FF2B5EF4-FFF2-40B4-BE49-F238E27FC236}">
+                <a16:creationId xmlns:a16="http://schemas.microsoft.com/office/drawing/2014/main" id="{918F3820-73C2-4CED-9031-FD6092CEA6B3}"/>
+              </a:ext>
+            </a:extLst>
+          </p:cNvPr>
+          <p:cNvSpPr>
+            <a:spLocks noGrp="1"/>
+          </p:cNvSpPr>
+          <p:nvPr>
+            <p:ph idx="1"/>
+          </p:nvPr>
+        </p:nvSpPr>
+        <p:spPr>
+          <a:xfrm>
+            <a:off x="1451579" y="2015732"/>
+            <a:ext cx="9730541" cy="870687"/>
+          </a:xfrm>
+        </p:spPr>
+        <p:txBody>
+          <a:bodyPr/>
+          <a:lstStyle/>
+          <a:p>
+            <a:r>
+              <a:rPr lang="en-AU" dirty="0"/>
+              <a:t>GDP = Consumption(C) + Investment(I) + Government Spending (G) + Net Exports (X)</a:t>
+            </a:r>
+          </a:p>
+          <a:p>
+            <a:endParaRPr lang="en-AU" dirty="0"/>
+          </a:p>
+        </p:txBody>
+      </p:sp>
+      <p:graphicFrame>
+        <p:nvGraphicFramePr>
+          <p:cNvPr id="5" name="Chart 4">
+            <a:extLst>
+              <a:ext uri="{FF2B5EF4-FFF2-40B4-BE49-F238E27FC236}">
+                <a16:creationId xmlns:a16="http://schemas.microsoft.com/office/drawing/2014/main" id="{2D3710B8-7BA8-4E20-9315-DE5E2D42F992}"/>
+              </a:ext>
+            </a:extLst>
+          </p:cNvPr>
+          <p:cNvGraphicFramePr>
+            <a:graphicFrameLocks/>
+          </p:cNvGraphicFramePr>
+          <p:nvPr>
+            <p:extLst>
+              <p:ext uri="{D42A27DB-BD31-4B8C-83A1-F6EECF244321}">
+                <p14:modId xmlns:p14="http://schemas.microsoft.com/office/powerpoint/2010/main" val="2407573013"/>
+              </p:ext>
+            </p:extLst>
+          </p:nvPr>
+        </p:nvGraphicFramePr>
+        <p:xfrm>
+          <a:off x="1451580" y="2610998"/>
+          <a:ext cx="9603274" cy="3338109"/>
+        </p:xfrm>
+        <a:graphic>
+          <a:graphicData uri="http://schemas.openxmlformats.org/drawingml/2006/chart">
+            <c:chart xmlns:c="http://schemas.openxmlformats.org/drawingml/2006/chart" xmlns:r="http://schemas.openxmlformats.org/officeDocument/2006/relationships" r:id="rId2"/>
+          </a:graphicData>
+        </a:graphic>
+      </p:graphicFrame>
+    </p:spTree>
+    <p:extLst>
+      <p:ext uri="{BB962C8B-B14F-4D97-AF65-F5344CB8AC3E}">
+        <p14:creationId xmlns:p14="http://schemas.microsoft.com/office/powerpoint/2010/main" val="3548542842"/>
       </p:ext>
     </p:extLst>
   </p:cSld>

--- a/draft GDP presentation (3).pptx
+++ b/draft GDP presentation (3).pptx
@@ -19,13 +19,13 @@
     <p:sldId id="265" r:id="rId10"/>
     <p:sldId id="266" r:id="rId11"/>
     <p:sldId id="268" r:id="rId12"/>
-    <p:sldId id="267" r:id="rId13"/>
+    <p:sldId id="280" r:id="rId13"/>
     <p:sldId id="274" r:id="rId14"/>
     <p:sldId id="275" r:id="rId15"/>
     <p:sldId id="276" r:id="rId16"/>
     <p:sldId id="277" r:id="rId17"/>
-    <p:sldId id="279" r:id="rId18"/>
-    <p:sldId id="278" r:id="rId19"/>
+    <p:sldId id="278" r:id="rId18"/>
+    <p:sldId id="279" r:id="rId19"/>
   </p:sldIdLst>
   <p:sldSz cx="12192000" cy="6858000"/>
   <p:notesSz cx="6858000" cy="9144000"/>
@@ -24994,7 +24994,7 @@
           <p:cNvPr id="2" name="Title 1">
             <a:extLst>
               <a:ext uri="{FF2B5EF4-FFF2-40B4-BE49-F238E27FC236}">
-                <a16:creationId xmlns:a16="http://schemas.microsoft.com/office/drawing/2014/main" id="{6F58F258-C06A-47DC-9F49-59E435C56A34}"/>
+                <a16:creationId xmlns:a16="http://schemas.microsoft.com/office/drawing/2014/main" id="{F0B462B2-7640-49FC-8661-2956C0643B25}"/>
               </a:ext>
             </a:extLst>
           </p:cNvPr>
@@ -25012,116 +25012,419 @@
           <a:p>
             <a:r>
               <a:rPr lang="en-AU" dirty="0"/>
-              <a:t>How GDP has changed over the years? </a:t>
+              <a:t>Model 2</a:t>
             </a:r>
           </a:p>
         </p:txBody>
       </p:sp>
-      <p:pic>
-        <p:nvPicPr>
-          <p:cNvPr id="4" name="Content Placeholder 4">
+      <p:sp>
+        <p:nvSpPr>
+          <p:cNvPr id="3" name="Content Placeholder 2">
             <a:extLst>
               <a:ext uri="{FF2B5EF4-FFF2-40B4-BE49-F238E27FC236}">
-                <a16:creationId xmlns:a16="http://schemas.microsoft.com/office/drawing/2014/main" id="{9E07FD19-62B8-8C46-9DAD-820D5126C831}"/>
+                <a16:creationId xmlns:a16="http://schemas.microsoft.com/office/drawing/2014/main" id="{BA1DF171-4D24-4B57-BAE5-1192996537C6}"/>
               </a:ext>
             </a:extLst>
           </p:cNvPr>
-          <p:cNvPicPr>
-            <a:picLocks noGrp="1" noChangeAspect="1"/>
-          </p:cNvPicPr>
+          <p:cNvSpPr>
+            <a:spLocks noGrp="1"/>
+          </p:cNvSpPr>
           <p:nvPr>
             <p:ph idx="1"/>
           </p:nvPr>
-        </p:nvPicPr>
-        <p:blipFill>
-          <a:blip r:embed="rId2">
-            <a:extLst>
-              <a:ext uri="{28A0092B-C50C-407E-A947-70E740481C1C}">
-                <a14:useLocalDpi xmlns:a14="http://schemas.microsoft.com/office/drawing/2010/main" val="0"/>
-              </a:ext>
-            </a:extLst>
-          </a:blip>
-          <a:stretch>
-            <a:fillRect/>
-          </a:stretch>
-        </p:blipFill>
-        <p:spPr>
-          <a:xfrm>
-            <a:off x="1451578" y="2016124"/>
-            <a:ext cx="4266469" cy="3543427"/>
-          </a:xfrm>
-        </p:spPr>
-      </p:pic>
-      <p:sp>
-        <p:nvSpPr>
-          <p:cNvPr id="5" name="TextBox 4">
-            <a:extLst>
-              <a:ext uri="{FF2B5EF4-FFF2-40B4-BE49-F238E27FC236}">
-                <a16:creationId xmlns:a16="http://schemas.microsoft.com/office/drawing/2014/main" id="{602925CD-228C-FC41-8353-BAFB9E61C6DE}"/>
-              </a:ext>
-            </a:extLst>
-          </p:cNvPr>
-          <p:cNvSpPr txBox="1"/>
-          <p:nvPr/>
         </p:nvSpPr>
         <p:spPr>
           <a:xfrm>
-            <a:off x="5718048" y="2016125"/>
-            <a:ext cx="5336806" cy="3693319"/>
+            <a:off x="1451579" y="2036631"/>
+            <a:ext cx="4616712" cy="3450613"/>
           </a:xfrm>
-          <a:prstGeom prst="rect">
-            <a:avLst/>
-          </a:prstGeom>
-          <a:noFill/>
         </p:spPr>
         <p:txBody>
-          <a:bodyPr wrap="square" rtlCol="0">
-            <a:spAutoFit/>
-          </a:bodyPr>
+          <a:bodyPr/>
           <a:lstStyle/>
           <a:p>
-            <a:pPr marL="285750" indent="-285750">
-              <a:buFont typeface="Arial" panose="020B0604020202020204" pitchFamily="34" charset="0"/>
-              <a:buChar char="•"/>
-            </a:pPr>
             <a:r>
-              <a:rPr lang="en-US" dirty="0"/>
-              <a:t>There are large fluctuations in GDP till the year 2001. There are heavy drops in % in the year 1982 and year 1991. This indicates there has been recession that lead to such heavy drop.                               </a:t>
-            </a:r>
-            <a:r>
-              <a:rPr lang="en-US" dirty="0">
-                <a:hlinkClick r:id="rId3"/>
-              </a:rPr>
-              <a:t>https://www.theaustralian.com.au/national-affairs/opinion/the-recessions-we-didnt-know-we-had/news-story/761f62646a3c251d3ce9cfae5a751e85?sv=955da03ee827960370e61fd9d8e0f27b                                           </a:t>
-            </a:r>
-            <a:endParaRPr lang="en-US" dirty="0"/>
-          </a:p>
-          <a:p>
-            <a:pPr marL="285750" indent="-285750">
-              <a:buFont typeface="Arial" panose="020B0604020202020204" pitchFamily="34" charset="0"/>
-              <a:buChar char="•"/>
-            </a:pPr>
-            <a:r>
-              <a:rPr lang="en-US" dirty="0"/>
-              <a:t>The economy has been more stable from the year 2001 with a drop of 0.5% during the 2008 financial crisis when there was minimal impact on Australia. </a:t>
+              <a:rPr lang="en-AU" dirty="0"/>
+              <a:t>Utilising the GDP = C + I + G + X  formulae, we looked for 2-3 indicators for each component.</a:t>
             </a:r>
           </a:p>
           <a:p>
-            <a:pPr marL="285750" indent="-285750">
-              <a:buFont typeface="Arial" panose="020B0604020202020204" pitchFamily="34" charset="0"/>
-              <a:buChar char="•"/>
-            </a:pPr>
             <a:r>
-              <a:rPr lang="en-US" dirty="0"/>
-              <a:t>Economic growth peaked in the year 1987.</a:t>
+              <a:rPr lang="en-AU" dirty="0"/>
+              <a:t>The indicators we choose were from more readily available or more easily identifiable data sources than the components of GDP formulae.</a:t>
             </a:r>
           </a:p>
         </p:txBody>
       </p:sp>
+      <p:graphicFrame>
+        <p:nvGraphicFramePr>
+          <p:cNvPr id="4" name="Table 3">
+            <a:extLst>
+              <a:ext uri="{FF2B5EF4-FFF2-40B4-BE49-F238E27FC236}">
+                <a16:creationId xmlns:a16="http://schemas.microsoft.com/office/drawing/2014/main" id="{453DFA3B-EA33-4B26-924F-2A84206050A6}"/>
+              </a:ext>
+            </a:extLst>
+          </p:cNvPr>
+          <p:cNvGraphicFramePr>
+            <a:graphicFrameLocks noGrp="1"/>
+          </p:cNvGraphicFramePr>
+          <p:nvPr>
+            <p:extLst>
+              <p:ext uri="{D42A27DB-BD31-4B8C-83A1-F6EECF244321}">
+                <p14:modId xmlns:p14="http://schemas.microsoft.com/office/powerpoint/2010/main" val="3506349075"/>
+              </p:ext>
+            </p:extLst>
+          </p:nvPr>
+        </p:nvGraphicFramePr>
+        <p:xfrm>
+          <a:off x="5835535" y="1893501"/>
+          <a:ext cx="5586152" cy="3933945"/>
+        </p:xfrm>
+        <a:graphic>
+          <a:graphicData uri="http://schemas.openxmlformats.org/drawingml/2006/table">
+            <a:tbl>
+              <a:tblPr firstRow="1" bandRow="1">
+                <a:tableStyleId>{5C22544A-7EE6-4342-B048-85BDC9FD1C3A}</a:tableStyleId>
+              </a:tblPr>
+              <a:tblGrid>
+                <a:gridCol w="2793076">
+                  <a:extLst>
+                    <a:ext uri="{9D8B030D-6E8A-4147-A177-3AD203B41FA5}">
+                      <a16:colId xmlns:a16="http://schemas.microsoft.com/office/drawing/2014/main" val="3265382181"/>
+                    </a:ext>
+                  </a:extLst>
+                </a:gridCol>
+                <a:gridCol w="2793076">
+                  <a:extLst>
+                    <a:ext uri="{9D8B030D-6E8A-4147-A177-3AD203B41FA5}">
+                      <a16:colId xmlns:a16="http://schemas.microsoft.com/office/drawing/2014/main" val="3303958213"/>
+                    </a:ext>
+                  </a:extLst>
+                </a:gridCol>
+              </a:tblGrid>
+              <a:tr h="365985">
+                <a:tc>
+                  <a:txBody>
+                    <a:bodyPr/>
+                    <a:lstStyle/>
+                    <a:p>
+                      <a:r>
+                        <a:rPr lang="en-AU" dirty="0"/>
+                        <a:t>Expenditure Approach</a:t>
+                      </a:r>
+                    </a:p>
+                  </a:txBody>
+                  <a:tcPr/>
+                </a:tc>
+                <a:tc>
+                  <a:txBody>
+                    <a:bodyPr/>
+                    <a:lstStyle/>
+                    <a:p>
+                      <a:r>
+                        <a:rPr lang="en-AU" dirty="0"/>
+                        <a:t>Indicator</a:t>
+                      </a:r>
+                    </a:p>
+                  </a:txBody>
+                  <a:tcPr/>
+                </a:tc>
+                <a:extLst>
+                  <a:ext uri="{0D108BD9-81ED-4DB2-BD59-A6C34878D82A}">
+                    <a16:rowId xmlns:a16="http://schemas.microsoft.com/office/drawing/2014/main" val="773332144"/>
+                  </a:ext>
+                </a:extLst>
+              </a:tr>
+              <a:tr h="365985">
+                <a:tc>
+                  <a:txBody>
+                    <a:bodyPr/>
+                    <a:lstStyle/>
+                    <a:p>
+                      <a:r>
+                        <a:rPr lang="en-AU" dirty="0"/>
+                        <a:t>Consumption (C)</a:t>
+                      </a:r>
+                    </a:p>
+                  </a:txBody>
+                  <a:tcPr/>
+                </a:tc>
+                <a:tc>
+                  <a:txBody>
+                    <a:bodyPr/>
+                    <a:lstStyle/>
+                    <a:p>
+                      <a:r>
+                        <a:rPr lang="en-AU" dirty="0"/>
+                        <a:t>Consumer Price Index</a:t>
+                      </a:r>
+                    </a:p>
+                  </a:txBody>
+                  <a:tcPr/>
+                </a:tc>
+                <a:extLst>
+                  <a:ext uri="{0D108BD9-81ED-4DB2-BD59-A6C34878D82A}">
+                    <a16:rowId xmlns:a16="http://schemas.microsoft.com/office/drawing/2014/main" val="2496907432"/>
+                  </a:ext>
+                </a:extLst>
+              </a:tr>
+              <a:tr h="365985">
+                <a:tc>
+                  <a:txBody>
+                    <a:bodyPr/>
+                    <a:lstStyle/>
+                    <a:p>
+                      <a:endParaRPr lang="en-AU"/>
+                    </a:p>
+                  </a:txBody>
+                  <a:tcPr/>
+                </a:tc>
+                <a:tc>
+                  <a:txBody>
+                    <a:bodyPr/>
+                    <a:lstStyle/>
+                    <a:p>
+                      <a:r>
+                        <a:rPr lang="en-AU" dirty="0"/>
+                        <a:t>Sales</a:t>
+                      </a:r>
+                    </a:p>
+                  </a:txBody>
+                  <a:tcPr/>
+                </a:tc>
+                <a:extLst>
+                  <a:ext uri="{0D108BD9-81ED-4DB2-BD59-A6C34878D82A}">
+                    <a16:rowId xmlns:a16="http://schemas.microsoft.com/office/drawing/2014/main" val="1163127294"/>
+                  </a:ext>
+                </a:extLst>
+              </a:tr>
+              <a:tr h="365985">
+                <a:tc>
+                  <a:txBody>
+                    <a:bodyPr/>
+                    <a:lstStyle/>
+                    <a:p>
+                      <a:r>
+                        <a:rPr lang="en-AU" dirty="0"/>
+                        <a:t>Investment (I)</a:t>
+                      </a:r>
+                    </a:p>
+                  </a:txBody>
+                  <a:tcPr/>
+                </a:tc>
+                <a:tc>
+                  <a:txBody>
+                    <a:bodyPr/>
+                    <a:lstStyle/>
+                    <a:p>
+                      <a:r>
+                        <a:rPr lang="en-AU" dirty="0"/>
+                        <a:t>Interest Rates</a:t>
+                      </a:r>
+                    </a:p>
+                  </a:txBody>
+                  <a:tcPr/>
+                </a:tc>
+                <a:extLst>
+                  <a:ext uri="{0D108BD9-81ED-4DB2-BD59-A6C34878D82A}">
+                    <a16:rowId xmlns:a16="http://schemas.microsoft.com/office/drawing/2014/main" val="2733221880"/>
+                  </a:ext>
+                </a:extLst>
+              </a:tr>
+              <a:tr h="365985">
+                <a:tc>
+                  <a:txBody>
+                    <a:bodyPr/>
+                    <a:lstStyle/>
+                    <a:p>
+                      <a:endParaRPr lang="en-AU"/>
+                    </a:p>
+                  </a:txBody>
+                  <a:tcPr/>
+                </a:tc>
+                <a:tc>
+                  <a:txBody>
+                    <a:bodyPr/>
+                    <a:lstStyle/>
+                    <a:p>
+                      <a:r>
+                        <a:rPr lang="en-AU" dirty="0"/>
+                        <a:t>Expenditure</a:t>
+                      </a:r>
+                    </a:p>
+                  </a:txBody>
+                  <a:tcPr/>
+                </a:tc>
+                <a:extLst>
+                  <a:ext uri="{0D108BD9-81ED-4DB2-BD59-A6C34878D82A}">
+                    <a16:rowId xmlns:a16="http://schemas.microsoft.com/office/drawing/2014/main" val="3361184908"/>
+                  </a:ext>
+                </a:extLst>
+              </a:tr>
+              <a:tr h="365985">
+                <a:tc>
+                  <a:txBody>
+                    <a:bodyPr/>
+                    <a:lstStyle/>
+                    <a:p>
+                      <a:endParaRPr lang="en-AU"/>
+                    </a:p>
+                  </a:txBody>
+                  <a:tcPr/>
+                </a:tc>
+                <a:tc>
+                  <a:txBody>
+                    <a:bodyPr/>
+                    <a:lstStyle/>
+                    <a:p>
+                      <a:r>
+                        <a:rPr lang="en-AU" dirty="0"/>
+                        <a:t>Labour Force</a:t>
+                      </a:r>
+                    </a:p>
+                  </a:txBody>
+                  <a:tcPr/>
+                </a:tc>
+                <a:extLst>
+                  <a:ext uri="{0D108BD9-81ED-4DB2-BD59-A6C34878D82A}">
+                    <a16:rowId xmlns:a16="http://schemas.microsoft.com/office/drawing/2014/main" val="3321808139"/>
+                  </a:ext>
+                </a:extLst>
+              </a:tr>
+              <a:tr h="365985">
+                <a:tc>
+                  <a:txBody>
+                    <a:bodyPr/>
+                    <a:lstStyle/>
+                    <a:p>
+                      <a:r>
+                        <a:rPr lang="en-AU" dirty="0"/>
+                        <a:t>Government Spending (G)</a:t>
+                      </a:r>
+                    </a:p>
+                  </a:txBody>
+                  <a:tcPr/>
+                </a:tc>
+                <a:tc>
+                  <a:txBody>
+                    <a:bodyPr/>
+                    <a:lstStyle/>
+                    <a:p>
+                      <a:r>
+                        <a:rPr lang="en-AU" dirty="0"/>
+                        <a:t>Human Development Index</a:t>
+                      </a:r>
+                    </a:p>
+                  </a:txBody>
+                  <a:tcPr/>
+                </a:tc>
+                <a:extLst>
+                  <a:ext uri="{0D108BD9-81ED-4DB2-BD59-A6C34878D82A}">
+                    <a16:rowId xmlns:a16="http://schemas.microsoft.com/office/drawing/2014/main" val="594029244"/>
+                  </a:ext>
+                </a:extLst>
+              </a:tr>
+              <a:tr h="365985">
+                <a:tc>
+                  <a:txBody>
+                    <a:bodyPr/>
+                    <a:lstStyle/>
+                    <a:p>
+                      <a:endParaRPr lang="en-AU"/>
+                    </a:p>
+                  </a:txBody>
+                  <a:tcPr/>
+                </a:tc>
+                <a:tc>
+                  <a:txBody>
+                    <a:bodyPr/>
+                    <a:lstStyle/>
+                    <a:p>
+                      <a:r>
+                        <a:rPr lang="en-AU" dirty="0"/>
+                        <a:t>Unemployment</a:t>
+                      </a:r>
+                    </a:p>
+                  </a:txBody>
+                  <a:tcPr/>
+                </a:tc>
+                <a:extLst>
+                  <a:ext uri="{0D108BD9-81ED-4DB2-BD59-A6C34878D82A}">
+                    <a16:rowId xmlns:a16="http://schemas.microsoft.com/office/drawing/2014/main" val="111667378"/>
+                  </a:ext>
+                </a:extLst>
+              </a:tr>
+              <a:tr h="365985">
+                <a:tc>
+                  <a:txBody>
+                    <a:bodyPr/>
+                    <a:lstStyle/>
+                    <a:p>
+                      <a:r>
+                        <a:rPr lang="en-AU" dirty="0"/>
+                        <a:t>Net Exports</a:t>
+                      </a:r>
+                    </a:p>
+                  </a:txBody>
+                  <a:tcPr/>
+                </a:tc>
+                <a:tc>
+                  <a:txBody>
+                    <a:bodyPr/>
+                    <a:lstStyle/>
+                    <a:p>
+                      <a:r>
+                        <a:rPr lang="en-AU" dirty="0"/>
+                        <a:t>Balance on Goods and Services</a:t>
+                      </a:r>
+                    </a:p>
+                  </a:txBody>
+                  <a:tcPr/>
+                </a:tc>
+                <a:extLst>
+                  <a:ext uri="{0D108BD9-81ED-4DB2-BD59-A6C34878D82A}">
+                    <a16:rowId xmlns:a16="http://schemas.microsoft.com/office/drawing/2014/main" val="3562957378"/>
+                  </a:ext>
+                </a:extLst>
+              </a:tr>
+              <a:tr h="365985">
+                <a:tc>
+                  <a:txBody>
+                    <a:bodyPr/>
+                    <a:lstStyle/>
+                    <a:p>
+                      <a:endParaRPr lang="en-AU" dirty="0"/>
+                    </a:p>
+                  </a:txBody>
+                  <a:tcPr/>
+                </a:tc>
+                <a:tc>
+                  <a:txBody>
+                    <a:bodyPr/>
+                    <a:lstStyle/>
+                    <a:p>
+                      <a:r>
+                        <a:rPr lang="en-AU" dirty="0"/>
+                        <a:t>AUD to USD rate</a:t>
+                      </a:r>
+                    </a:p>
+                  </a:txBody>
+                  <a:tcPr/>
+                </a:tc>
+                <a:extLst>
+                  <a:ext uri="{0D108BD9-81ED-4DB2-BD59-A6C34878D82A}">
+                    <a16:rowId xmlns:a16="http://schemas.microsoft.com/office/drawing/2014/main" val="486678187"/>
+                  </a:ext>
+                </a:extLst>
+              </a:tr>
+            </a:tbl>
+          </a:graphicData>
+        </a:graphic>
+      </p:graphicFrame>
     </p:spTree>
     <p:extLst>
       <p:ext uri="{BB962C8B-B14F-4D97-AF65-F5344CB8AC3E}">
-        <p14:creationId xmlns:p14="http://schemas.microsoft.com/office/powerpoint/2010/main" val="2738545271"/>
+        <p14:creationId xmlns:p14="http://schemas.microsoft.com/office/powerpoint/2010/main" val="1418305367"/>
       </p:ext>
     </p:extLst>
   </p:cSld>
@@ -25701,6 +26004,115 @@
           <p:cNvPr id="2" name="Title 1">
             <a:extLst>
               <a:ext uri="{FF2B5EF4-FFF2-40B4-BE49-F238E27FC236}">
+                <a16:creationId xmlns:a16="http://schemas.microsoft.com/office/drawing/2014/main" id="{8BCBAD2E-218B-A640-B501-5F84AED9468B}"/>
+              </a:ext>
+            </a:extLst>
+          </p:cNvPr>
+          <p:cNvSpPr>
+            <a:spLocks noGrp="1"/>
+          </p:cNvSpPr>
+          <p:nvPr>
+            <p:ph type="title"/>
+          </p:nvPr>
+        </p:nvSpPr>
+        <p:spPr/>
+        <p:txBody>
+          <a:bodyPr/>
+          <a:lstStyle/>
+          <a:p>
+            <a:r>
+              <a:rPr lang="en-US" dirty="0"/>
+              <a:t>Limitations of Model 2 analysis</a:t>
+            </a:r>
+          </a:p>
+        </p:txBody>
+      </p:sp>
+      <p:sp>
+        <p:nvSpPr>
+          <p:cNvPr id="3" name="Content Placeholder 2">
+            <a:extLst>
+              <a:ext uri="{FF2B5EF4-FFF2-40B4-BE49-F238E27FC236}">
+                <a16:creationId xmlns:a16="http://schemas.microsoft.com/office/drawing/2014/main" id="{982F7601-E330-0C4F-9406-8865935C7FBB}"/>
+              </a:ext>
+            </a:extLst>
+          </p:cNvPr>
+          <p:cNvSpPr>
+            <a:spLocks noGrp="1"/>
+          </p:cNvSpPr>
+          <p:nvPr>
+            <p:ph idx="1"/>
+          </p:nvPr>
+        </p:nvSpPr>
+        <p:spPr>
+          <a:xfrm>
+            <a:off x="1451579" y="2101076"/>
+            <a:ext cx="9603275" cy="3450613"/>
+          </a:xfrm>
+        </p:spPr>
+        <p:txBody>
+          <a:bodyPr/>
+          <a:lstStyle/>
+          <a:p>
+            <a:r>
+              <a:rPr lang="en-US" dirty="0"/>
+              <a:t>GDP prediction is usually complex and involves a lot of variable. Though the variables we hand picked for the model are most commonly used there is no guarantee that they are the best measures(this statement to be deleted if our prediction is close to accurate). </a:t>
+            </a:r>
+          </a:p>
+          <a:p>
+            <a:pPr marL="0" indent="0">
+              <a:buNone/>
+            </a:pPr>
+            <a:endParaRPr lang="en-US" dirty="0"/>
+          </a:p>
+          <a:p>
+            <a:r>
+              <a:rPr lang="en-US" dirty="0"/>
+              <a:t>There were a few missing values. Imputation technique was used to handle them. Most of the columns has original values from the year 1985.  Since just 5 years of data was imputed there would have been minimal impact on the data.</a:t>
+            </a:r>
+          </a:p>
+          <a:p>
+            <a:pPr marL="0" indent="0">
+              <a:buNone/>
+            </a:pPr>
+            <a:endParaRPr lang="en-US" dirty="0"/>
+          </a:p>
+        </p:txBody>
+      </p:sp>
+    </p:spTree>
+    <p:extLst>
+      <p:ext uri="{BB962C8B-B14F-4D97-AF65-F5344CB8AC3E}">
+        <p14:creationId xmlns:p14="http://schemas.microsoft.com/office/powerpoint/2010/main" val="1554103550"/>
+      </p:ext>
+    </p:extLst>
+  </p:cSld>
+  <p:clrMapOvr>
+    <a:masterClrMapping/>
+  </p:clrMapOvr>
+</p:sld>
+</file>
+
+<file path=ppt/slides/slide18.xml><?xml version="1.0" encoding="utf-8"?>
+<p:sld xmlns:a="http://schemas.openxmlformats.org/drawingml/2006/main" xmlns:r="http://schemas.openxmlformats.org/officeDocument/2006/relationships" xmlns:p="http://schemas.openxmlformats.org/presentationml/2006/main">
+  <p:cSld>
+    <p:spTree>
+      <p:nvGrpSpPr>
+        <p:cNvPr id="1" name=""/>
+        <p:cNvGrpSpPr/>
+        <p:nvPr/>
+      </p:nvGrpSpPr>
+      <p:grpSpPr>
+        <a:xfrm>
+          <a:off x="0" y="0"/>
+          <a:ext cx="0" cy="0"/>
+          <a:chOff x="0" y="0"/>
+          <a:chExt cx="0" cy="0"/>
+        </a:xfrm>
+      </p:grpSpPr>
+      <p:sp>
+        <p:nvSpPr>
+          <p:cNvPr id="2" name="Title 1">
+            <a:extLst>
+              <a:ext uri="{FF2B5EF4-FFF2-40B4-BE49-F238E27FC236}">
                 <a16:creationId xmlns:a16="http://schemas.microsoft.com/office/drawing/2014/main" id="{1CD2EBDA-5206-4D24-B0FE-851690DDBFE2}"/>
               </a:ext>
             </a:extLst>
@@ -25768,115 +26180,6 @@
     <p:extLst>
       <p:ext uri="{BB962C8B-B14F-4D97-AF65-F5344CB8AC3E}">
         <p14:creationId xmlns:p14="http://schemas.microsoft.com/office/powerpoint/2010/main" val="803641459"/>
-      </p:ext>
-    </p:extLst>
-  </p:cSld>
-  <p:clrMapOvr>
-    <a:masterClrMapping/>
-  </p:clrMapOvr>
-</p:sld>
-</file>
-
-<file path=ppt/slides/slide18.xml><?xml version="1.0" encoding="utf-8"?>
-<p:sld xmlns:a="http://schemas.openxmlformats.org/drawingml/2006/main" xmlns:r="http://schemas.openxmlformats.org/officeDocument/2006/relationships" xmlns:p="http://schemas.openxmlformats.org/presentationml/2006/main">
-  <p:cSld>
-    <p:spTree>
-      <p:nvGrpSpPr>
-        <p:cNvPr id="1" name=""/>
-        <p:cNvGrpSpPr/>
-        <p:nvPr/>
-      </p:nvGrpSpPr>
-      <p:grpSpPr>
-        <a:xfrm>
-          <a:off x="0" y="0"/>
-          <a:ext cx="0" cy="0"/>
-          <a:chOff x="0" y="0"/>
-          <a:chExt cx="0" cy="0"/>
-        </a:xfrm>
-      </p:grpSpPr>
-      <p:sp>
-        <p:nvSpPr>
-          <p:cNvPr id="2" name="Title 1">
-            <a:extLst>
-              <a:ext uri="{FF2B5EF4-FFF2-40B4-BE49-F238E27FC236}">
-                <a16:creationId xmlns:a16="http://schemas.microsoft.com/office/drawing/2014/main" id="{8BCBAD2E-218B-A640-B501-5F84AED9468B}"/>
-              </a:ext>
-            </a:extLst>
-          </p:cNvPr>
-          <p:cNvSpPr>
-            <a:spLocks noGrp="1"/>
-          </p:cNvSpPr>
-          <p:nvPr>
-            <p:ph type="title"/>
-          </p:nvPr>
-        </p:nvSpPr>
-        <p:spPr/>
-        <p:txBody>
-          <a:bodyPr/>
-          <a:lstStyle/>
-          <a:p>
-            <a:r>
-              <a:rPr lang="en-US" dirty="0"/>
-              <a:t>Limitations of the study</a:t>
-            </a:r>
-          </a:p>
-        </p:txBody>
-      </p:sp>
-      <p:sp>
-        <p:nvSpPr>
-          <p:cNvPr id="3" name="Content Placeholder 2">
-            <a:extLst>
-              <a:ext uri="{FF2B5EF4-FFF2-40B4-BE49-F238E27FC236}">
-                <a16:creationId xmlns:a16="http://schemas.microsoft.com/office/drawing/2014/main" id="{982F7601-E330-0C4F-9406-8865935C7FBB}"/>
-              </a:ext>
-            </a:extLst>
-          </p:cNvPr>
-          <p:cNvSpPr>
-            <a:spLocks noGrp="1"/>
-          </p:cNvSpPr>
-          <p:nvPr>
-            <p:ph idx="1"/>
-          </p:nvPr>
-        </p:nvSpPr>
-        <p:spPr>
-          <a:xfrm>
-            <a:off x="1451579" y="2101076"/>
-            <a:ext cx="9603275" cy="3450613"/>
-          </a:xfrm>
-        </p:spPr>
-        <p:txBody>
-          <a:bodyPr/>
-          <a:lstStyle/>
-          <a:p>
-            <a:r>
-              <a:rPr lang="en-US" dirty="0"/>
-              <a:t>GDP prediction is usually complex and involves a lot of variable. Though the variables we hand picked for the model are most commonly used there is no guarantee that they are the best measures(this statement to be deleted if our prediction is close to accurate). </a:t>
-            </a:r>
-          </a:p>
-          <a:p>
-            <a:pPr marL="0" indent="0">
-              <a:buNone/>
-            </a:pPr>
-            <a:endParaRPr lang="en-US" dirty="0"/>
-          </a:p>
-          <a:p>
-            <a:r>
-              <a:rPr lang="en-US" dirty="0"/>
-              <a:t>There were a few missing values. Imputation technique was used to handle them. Most of the columns has original values from the year 1985.  Since just 5 years of data was imputed there would have been minimal impact on the data.</a:t>
-            </a:r>
-          </a:p>
-          <a:p>
-            <a:pPr marL="0" indent="0">
-              <a:buNone/>
-            </a:pPr>
-            <a:endParaRPr lang="en-US" dirty="0"/>
-          </a:p>
-        </p:txBody>
-      </p:sp>
-    </p:spTree>
-    <p:extLst>
-      <p:ext uri="{BB962C8B-B14F-4D97-AF65-F5344CB8AC3E}">
-        <p14:creationId xmlns:p14="http://schemas.microsoft.com/office/powerpoint/2010/main" val="1554103550"/>
       </p:ext>
     </p:extLst>
   </p:cSld>
@@ -26310,14 +26613,14 @@
             <p:ph idx="1"/>
             <p:extLst>
               <p:ext uri="{D42A27DB-BD31-4B8C-83A1-F6EECF244321}">
-                <p14:modId xmlns:p14="http://schemas.microsoft.com/office/powerpoint/2010/main" val="36432065"/>
+                <p14:modId xmlns:p14="http://schemas.microsoft.com/office/powerpoint/2010/main" val="2280670702"/>
               </p:ext>
             </p:extLst>
           </p:nvPr>
         </p:nvGraphicFramePr>
         <p:xfrm>
-          <a:off x="1450975" y="2016125"/>
-          <a:ext cx="9604375" cy="3866882"/>
+          <a:off x="1450976" y="2016125"/>
+          <a:ext cx="4617315" cy="3866882"/>
         </p:xfrm>
         <a:graphic>
           <a:graphicData uri="http://schemas.openxmlformats.org/drawingml/2006/chart">
@@ -26325,6 +26628,72 @@
           </a:graphicData>
         </a:graphic>
       </p:graphicFrame>
+      <p:sp>
+        <p:nvSpPr>
+          <p:cNvPr id="4" name="TextBox 3">
+            <a:extLst>
+              <a:ext uri="{FF2B5EF4-FFF2-40B4-BE49-F238E27FC236}">
+                <a16:creationId xmlns:a16="http://schemas.microsoft.com/office/drawing/2014/main" id="{AB7D49CD-3F7F-487F-9727-1BEF984CD11D}"/>
+              </a:ext>
+            </a:extLst>
+          </p:cNvPr>
+          <p:cNvSpPr txBox="1"/>
+          <p:nvPr/>
+        </p:nvSpPr>
+        <p:spPr>
+          <a:xfrm>
+            <a:off x="6068290" y="2016125"/>
+            <a:ext cx="4986563" cy="3970318"/>
+          </a:xfrm>
+          <a:prstGeom prst="rect">
+            <a:avLst/>
+          </a:prstGeom>
+          <a:noFill/>
+        </p:spPr>
+        <p:txBody>
+          <a:bodyPr wrap="square" rtlCol="0">
+            <a:spAutoFit/>
+          </a:bodyPr>
+          <a:lstStyle/>
+          <a:p>
+            <a:pPr marL="285750" indent="-285750">
+              <a:buFont typeface="Arial" panose="020B0604020202020204" pitchFamily="34" charset="0"/>
+              <a:buChar char="•"/>
+            </a:pPr>
+            <a:r>
+              <a:rPr lang="en-US" dirty="0"/>
+              <a:t>There are large fluctuations in GDP till the year 2001. There are heavy drops in % in the year 1982 and year 1991. This indicates there has been recession that lead to such heavy drop.                               </a:t>
+            </a:r>
+            <a:r>
+              <a:rPr lang="en-US" dirty="0">
+                <a:hlinkClick r:id="rId4"/>
+              </a:rPr>
+              <a:t>https://www.theaustralian.com.au/national-affairs/opinion/the-recessions-we-didnt-know-we-had/news-story/761f62646a3c251d3ce9cfae5a751e85?sv=955da03ee827960370e61fd9d8e0f27b                                           </a:t>
+            </a:r>
+            <a:endParaRPr lang="en-US" dirty="0"/>
+          </a:p>
+          <a:p>
+            <a:pPr marL="285750" indent="-285750">
+              <a:buFont typeface="Arial" panose="020B0604020202020204" pitchFamily="34" charset="0"/>
+              <a:buChar char="•"/>
+            </a:pPr>
+            <a:r>
+              <a:rPr lang="en-US" dirty="0"/>
+              <a:t>The economy has been more stable from the year 2001 with a drop of 0.5% during the 2008 financial crisis when there was minimal impact on Australia. </a:t>
+            </a:r>
+          </a:p>
+          <a:p>
+            <a:pPr marL="285750" indent="-285750">
+              <a:buFont typeface="Arial" panose="020B0604020202020204" pitchFamily="34" charset="0"/>
+              <a:buChar char="•"/>
+            </a:pPr>
+            <a:r>
+              <a:rPr lang="en-US" dirty="0"/>
+              <a:t>Economic growth peaked in the year 1987.</a:t>
+            </a:r>
+          </a:p>
+        </p:txBody>
+      </p:sp>
     </p:spTree>
     <p:extLst>
       <p:ext uri="{BB962C8B-B14F-4D97-AF65-F5344CB8AC3E}">
